--- a/Insurance fraud analysis.pptx
+++ b/Insurance fraud analysis.pptx
@@ -178,7 +178,7 @@
 <file path=ppt/revisionInfo.xml><?xml version="1.0" encoding="utf-8"?>
 <p1510:revInfo xmlns:a="http://schemas.openxmlformats.org/drawingml/2006/main" xmlns:r="http://schemas.openxmlformats.org/officeDocument/2006/relationships" xmlns:p1510="http://schemas.microsoft.com/office/powerpoint/2015/10/main">
   <p1510:revLst>
-    <p1510:client id="{18E9AFA3-C47F-4EF6-9244-83D42D977003}" v="33" dt="2022-04-18T04:12:48.421"/>
+    <p1510:client id="{18E9AFA3-C47F-4EF6-9244-83D42D977003}" v="36" dt="2022-04-18T04:21:25.165"/>
   </p1510:revLst>
 </p1510:revInfo>
 </file>
@@ -188,7 +188,7 @@
   <pc:docChgLst>
     <pc:chgData name="Chris Zhang" userId="68dae393-55ed-4546-b2d2-45b82aed114d" providerId="ADAL" clId="{18E9AFA3-C47F-4EF6-9244-83D42D977003}"/>
     <pc:docChg chg="undo custSel addSld delSld modSld sldOrd">
-      <pc:chgData name="Chris Zhang" userId="68dae393-55ed-4546-b2d2-45b82aed114d" providerId="ADAL" clId="{18E9AFA3-C47F-4EF6-9244-83D42D977003}" dt="2022-04-18T04:12:52.230" v="8313" actId="26606"/>
+      <pc:chgData name="Chris Zhang" userId="68dae393-55ed-4546-b2d2-45b82aed114d" providerId="ADAL" clId="{18E9AFA3-C47F-4EF6-9244-83D42D977003}" dt="2022-04-18T04:22:53.931" v="8333" actId="113"/>
       <pc:docMkLst>
         <pc:docMk/>
       </pc:docMkLst>
@@ -2740,8 +2740,8 @@
           </ac:picMkLst>
         </pc:picChg>
       </pc:sldChg>
-      <pc:sldChg chg="modSp add mod">
-        <pc:chgData name="Chris Zhang" userId="68dae393-55ed-4546-b2d2-45b82aed114d" providerId="ADAL" clId="{18E9AFA3-C47F-4EF6-9244-83D42D977003}" dt="2022-04-18T04:09:25.170" v="8233" actId="20577"/>
+      <pc:sldChg chg="addSp delSp modSp add mod">
+        <pc:chgData name="Chris Zhang" userId="68dae393-55ed-4546-b2d2-45b82aed114d" providerId="ADAL" clId="{18E9AFA3-C47F-4EF6-9244-83D42D977003}" dt="2022-04-18T04:22:53.931" v="8333" actId="113"/>
         <pc:sldMkLst>
           <pc:docMk/>
           <pc:sldMk cId="243768840" sldId="318"/>
@@ -2802,6 +2802,30 @@
             <ac:spMk id="10" creationId="{BC1DF189-6F2F-4C21-88CC-C82D3D0D147B}"/>
           </ac:spMkLst>
         </pc:spChg>
+        <pc:graphicFrameChg chg="add del mod">
+          <ac:chgData name="Chris Zhang" userId="68dae393-55ed-4546-b2d2-45b82aed114d" providerId="ADAL" clId="{18E9AFA3-C47F-4EF6-9244-83D42D977003}" dt="2022-04-18T04:20:16.990" v="8317" actId="478"/>
+          <ac:graphicFrameMkLst>
+            <pc:docMk/>
+            <pc:sldMk cId="243768840" sldId="318"/>
+            <ac:graphicFrameMk id="11" creationId="{8A82279C-44AA-40E6-A80A-F5906364A852}"/>
+          </ac:graphicFrameMkLst>
+        </pc:graphicFrameChg>
+        <pc:graphicFrameChg chg="add del mod">
+          <ac:chgData name="Chris Zhang" userId="68dae393-55ed-4546-b2d2-45b82aed114d" providerId="ADAL" clId="{18E9AFA3-C47F-4EF6-9244-83D42D977003}" dt="2022-04-18T04:21:24.570" v="8321" actId="478"/>
+          <ac:graphicFrameMkLst>
+            <pc:docMk/>
+            <pc:sldMk cId="243768840" sldId="318"/>
+            <ac:graphicFrameMk id="12" creationId="{BCCD4FF8-51B4-4796-9663-E93222A3C043}"/>
+          </ac:graphicFrameMkLst>
+        </pc:graphicFrameChg>
+        <pc:graphicFrameChg chg="add mod modGraphic">
+          <ac:chgData name="Chris Zhang" userId="68dae393-55ed-4546-b2d2-45b82aed114d" providerId="ADAL" clId="{18E9AFA3-C47F-4EF6-9244-83D42D977003}" dt="2022-04-18T04:22:53.931" v="8333" actId="113"/>
+          <ac:graphicFrameMkLst>
+            <pc:docMk/>
+            <pc:sldMk cId="243768840" sldId="318"/>
+            <ac:graphicFrameMk id="13" creationId="{10685663-4AFE-41D2-9078-92570F68EED5}"/>
+          </ac:graphicFrameMkLst>
+        </pc:graphicFrameChg>
       </pc:sldChg>
       <pc:sldMasterChg chg="delSldLayout">
         <pc:chgData name="Chris Zhang" userId="68dae393-55ed-4546-b2d2-45b82aed114d" providerId="ADAL" clId="{18E9AFA3-C47F-4EF6-9244-83D42D977003}" dt="2022-04-18T04:09:46.843" v="8234" actId="47"/>
@@ -2925,7 +2949,7 @@
           <a:p>
             <a:fld id="{F352A77B-D33C-49B3-A83C-450AA2ED72B3}" type="datetimeFigureOut">
               <a:rPr lang="en-US" smtClean="0"/>
-              <a:t>4/17/2022</a:t>
+              <a:t>4/18/2022</a:t>
             </a:fld>
             <a:endParaRPr lang="en-US" dirty="0"/>
           </a:p>
@@ -3102,7 +3126,7 @@
           <a:p>
             <a:fld id="{E38D8F9A-F5CB-4EF8-A859-ED5E107B9763}" type="datetimeFigureOut">
               <a:rPr lang="en-US" smtClean="0"/>
-              <a:t>4/17/2022</a:t>
+              <a:t>4/18/2022</a:t>
             </a:fld>
             <a:endParaRPr lang="en-US" dirty="0"/>
           </a:p>
@@ -27525,6 +27549,1531 @@
           </a:p>
         </p:txBody>
       </p:sp>
+      <p:graphicFrame>
+        <p:nvGraphicFramePr>
+          <p:cNvPr id="13" name="Table 12">
+            <a:extLst>
+              <a:ext uri="{FF2B5EF4-FFF2-40B4-BE49-F238E27FC236}">
+                <a16:creationId xmlns:a16="http://schemas.microsoft.com/office/drawing/2014/main" id="{10685663-4AFE-41D2-9078-92570F68EED5}"/>
+              </a:ext>
+            </a:extLst>
+          </p:cNvPr>
+          <p:cNvGraphicFramePr>
+            <a:graphicFrameLocks noGrp="1"/>
+          </p:cNvGraphicFramePr>
+          <p:nvPr>
+            <p:extLst>
+              <p:ext uri="{D42A27DB-BD31-4B8C-83A1-F6EECF244321}">
+                <p14:modId xmlns:p14="http://schemas.microsoft.com/office/powerpoint/2010/main" val="2675982470"/>
+              </p:ext>
+            </p:extLst>
+          </p:nvPr>
+        </p:nvGraphicFramePr>
+        <p:xfrm>
+          <a:off x="1768737" y="2862308"/>
+          <a:ext cx="2882900" cy="2630805"/>
+        </p:xfrm>
+        <a:graphic>
+          <a:graphicData uri="http://schemas.openxmlformats.org/drawingml/2006/table">
+            <a:tbl>
+              <a:tblPr/>
+              <a:tblGrid>
+                <a:gridCol w="2131253">
+                  <a:extLst>
+                    <a:ext uri="{9D8B030D-6E8A-4147-A177-3AD203B41FA5}">
+                      <a16:colId xmlns:a16="http://schemas.microsoft.com/office/drawing/2014/main" val="3938207239"/>
+                    </a:ext>
+                  </a:extLst>
+                </a:gridCol>
+                <a:gridCol w="751647">
+                  <a:extLst>
+                    <a:ext uri="{9D8B030D-6E8A-4147-A177-3AD203B41FA5}">
+                      <a16:colId xmlns:a16="http://schemas.microsoft.com/office/drawing/2014/main" val="2843728138"/>
+                    </a:ext>
+                  </a:extLst>
+                </a:gridCol>
+              </a:tblGrid>
+              <a:tr h="190500">
+                <a:tc>
+                  <a:txBody>
+                    <a:bodyPr/>
+                    <a:lstStyle/>
+                    <a:p>
+                      <a:pPr algn="l" fontAlgn="b"/>
+                      <a:r>
+                        <a:rPr lang="en-AU" sz="1100" b="1" i="0" u="none" strike="noStrike">
+                          <a:solidFill>
+                            <a:srgbClr val="FFFFFF"/>
+                          </a:solidFill>
+                          <a:effectLst/>
+                          <a:latin typeface="Calibri" panose="020F0502020204030204" pitchFamily="34" charset="0"/>
+                        </a:rPr>
+                        <a:t>Model</a:t>
+                      </a:r>
+                    </a:p>
+                  </a:txBody>
+                  <a:tcPr marL="9525" marR="9525" marT="9525" marB="0" anchor="b">
+                    <a:lnL w="6350" cap="flat" cmpd="sng" algn="ctr">
+                      <a:solidFill>
+                        <a:srgbClr val="9BC2E6"/>
+                      </a:solidFill>
+                      <a:prstDash val="solid"/>
+                      <a:round/>
+                      <a:headEnd type="none" w="med" len="med"/>
+                      <a:tailEnd type="none" w="med" len="med"/>
+                    </a:lnL>
+                    <a:lnR>
+                      <a:noFill/>
+                    </a:lnR>
+                    <a:lnT w="6350" cap="flat" cmpd="sng" algn="ctr">
+                      <a:solidFill>
+                        <a:srgbClr val="9BC2E6"/>
+                      </a:solidFill>
+                      <a:prstDash val="solid"/>
+                      <a:round/>
+                      <a:headEnd type="none" w="med" len="med"/>
+                      <a:tailEnd type="none" w="med" len="med"/>
+                    </a:lnT>
+                    <a:lnB w="6350" cap="flat" cmpd="sng" algn="ctr">
+                      <a:solidFill>
+                        <a:srgbClr val="9BC2E6"/>
+                      </a:solidFill>
+                      <a:prstDash val="solid"/>
+                      <a:round/>
+                      <a:headEnd type="none" w="med" len="med"/>
+                      <a:tailEnd type="none" w="med" len="med"/>
+                    </a:lnB>
+                    <a:solidFill>
+                      <a:srgbClr val="5B9BD5"/>
+                    </a:solidFill>
+                  </a:tcPr>
+                </a:tc>
+                <a:tc>
+                  <a:txBody>
+                    <a:bodyPr/>
+                    <a:lstStyle/>
+                    <a:p>
+                      <a:pPr algn="l" fontAlgn="b"/>
+                      <a:r>
+                        <a:rPr lang="en-AU" sz="1100" b="1" i="0" u="none" strike="noStrike">
+                          <a:solidFill>
+                            <a:srgbClr val="FFFFFF"/>
+                          </a:solidFill>
+                          <a:effectLst/>
+                          <a:latin typeface="Calibri" panose="020F0502020204030204" pitchFamily="34" charset="0"/>
+                        </a:rPr>
+                        <a:t>roc_auc score</a:t>
+                      </a:r>
+                    </a:p>
+                  </a:txBody>
+                  <a:tcPr marL="9525" marR="9525" marT="9525" marB="0" anchor="b">
+                    <a:lnL>
+                      <a:noFill/>
+                    </a:lnL>
+                    <a:lnR w="6350" cap="flat" cmpd="sng" algn="ctr">
+                      <a:solidFill>
+                        <a:srgbClr val="9BC2E6"/>
+                      </a:solidFill>
+                      <a:prstDash val="solid"/>
+                      <a:round/>
+                      <a:headEnd type="none" w="med" len="med"/>
+                      <a:tailEnd type="none" w="med" len="med"/>
+                    </a:lnR>
+                    <a:lnT w="6350" cap="flat" cmpd="sng" algn="ctr">
+                      <a:solidFill>
+                        <a:srgbClr val="9BC2E6"/>
+                      </a:solidFill>
+                      <a:prstDash val="solid"/>
+                      <a:round/>
+                      <a:headEnd type="none" w="med" len="med"/>
+                      <a:tailEnd type="none" w="med" len="med"/>
+                    </a:lnT>
+                    <a:lnB w="6350" cap="flat" cmpd="sng" algn="ctr">
+                      <a:solidFill>
+                        <a:srgbClr val="9BC2E6"/>
+                      </a:solidFill>
+                      <a:prstDash val="solid"/>
+                      <a:round/>
+                      <a:headEnd type="none" w="med" len="med"/>
+                      <a:tailEnd type="none" w="med" len="med"/>
+                    </a:lnB>
+                    <a:solidFill>
+                      <a:srgbClr val="5B9BD5"/>
+                    </a:solidFill>
+                  </a:tcPr>
+                </a:tc>
+                <a:extLst>
+                  <a:ext uri="{0D108BD9-81ED-4DB2-BD59-A6C34878D82A}">
+                    <a16:rowId xmlns:a16="http://schemas.microsoft.com/office/drawing/2014/main" val="1604358189"/>
+                  </a:ext>
+                </a:extLst>
+              </a:tr>
+              <a:tr h="190500">
+                <a:tc>
+                  <a:txBody>
+                    <a:bodyPr/>
+                    <a:lstStyle/>
+                    <a:p>
+                      <a:pPr algn="l" fontAlgn="b"/>
+                      <a:r>
+                        <a:rPr lang="en-AU" sz="1100" b="0" i="0" u="none" strike="noStrike">
+                          <a:solidFill>
+                            <a:srgbClr val="000000"/>
+                          </a:solidFill>
+                          <a:effectLst/>
+                          <a:latin typeface="Calibri" panose="020F0502020204030204" pitchFamily="34" charset="0"/>
+                        </a:rPr>
+                        <a:t>Logistic Regression</a:t>
+                      </a:r>
+                    </a:p>
+                  </a:txBody>
+                  <a:tcPr marL="9525" marR="9525" marT="9525" marB="0" anchor="b">
+                    <a:lnL w="6350" cap="flat" cmpd="sng" algn="ctr">
+                      <a:solidFill>
+                        <a:srgbClr val="9BC2E6"/>
+                      </a:solidFill>
+                      <a:prstDash val="solid"/>
+                      <a:round/>
+                      <a:headEnd type="none" w="med" len="med"/>
+                      <a:tailEnd type="none" w="med" len="med"/>
+                    </a:lnL>
+                    <a:lnR>
+                      <a:noFill/>
+                    </a:lnR>
+                    <a:lnT w="6350" cap="flat" cmpd="sng" algn="ctr">
+                      <a:solidFill>
+                        <a:srgbClr val="9BC2E6"/>
+                      </a:solidFill>
+                      <a:prstDash val="solid"/>
+                      <a:round/>
+                      <a:headEnd type="none" w="med" len="med"/>
+                      <a:tailEnd type="none" w="med" len="med"/>
+                    </a:lnT>
+                    <a:lnB w="6350" cap="flat" cmpd="sng" algn="ctr">
+                      <a:solidFill>
+                        <a:srgbClr val="9BC2E6"/>
+                      </a:solidFill>
+                      <a:prstDash val="solid"/>
+                      <a:round/>
+                      <a:headEnd type="none" w="med" len="med"/>
+                      <a:tailEnd type="none" w="med" len="med"/>
+                    </a:lnB>
+                    <a:solidFill>
+                      <a:srgbClr val="DDEBF7"/>
+                    </a:solidFill>
+                  </a:tcPr>
+                </a:tc>
+                <a:tc>
+                  <a:txBody>
+                    <a:bodyPr/>
+                    <a:lstStyle/>
+                    <a:p>
+                      <a:pPr algn="r" fontAlgn="b"/>
+                      <a:r>
+                        <a:rPr lang="en-AU" sz="1100" b="0" i="0" u="none" strike="noStrike">
+                          <a:solidFill>
+                            <a:srgbClr val="000000"/>
+                          </a:solidFill>
+                          <a:effectLst/>
+                          <a:latin typeface="Calibri" panose="020F0502020204030204" pitchFamily="34" charset="0"/>
+                        </a:rPr>
+                        <a:t>0.7230</a:t>
+                      </a:r>
+                    </a:p>
+                  </a:txBody>
+                  <a:tcPr marL="9525" marR="9525" marT="9525" marB="0" anchor="b">
+                    <a:lnL>
+                      <a:noFill/>
+                    </a:lnL>
+                    <a:lnR w="6350" cap="flat" cmpd="sng" algn="ctr">
+                      <a:solidFill>
+                        <a:srgbClr val="9BC2E6"/>
+                      </a:solidFill>
+                      <a:prstDash val="solid"/>
+                      <a:round/>
+                      <a:headEnd type="none" w="med" len="med"/>
+                      <a:tailEnd type="none" w="med" len="med"/>
+                    </a:lnR>
+                    <a:lnT w="6350" cap="flat" cmpd="sng" algn="ctr">
+                      <a:solidFill>
+                        <a:srgbClr val="9BC2E6"/>
+                      </a:solidFill>
+                      <a:prstDash val="solid"/>
+                      <a:round/>
+                      <a:headEnd type="none" w="med" len="med"/>
+                      <a:tailEnd type="none" w="med" len="med"/>
+                    </a:lnT>
+                    <a:lnB w="6350" cap="flat" cmpd="sng" algn="ctr">
+                      <a:solidFill>
+                        <a:srgbClr val="9BC2E6"/>
+                      </a:solidFill>
+                      <a:prstDash val="solid"/>
+                      <a:round/>
+                      <a:headEnd type="none" w="med" len="med"/>
+                      <a:tailEnd type="none" w="med" len="med"/>
+                    </a:lnB>
+                    <a:solidFill>
+                      <a:srgbClr val="ADDCBB"/>
+                    </a:solidFill>
+                  </a:tcPr>
+                </a:tc>
+                <a:extLst>
+                  <a:ext uri="{0D108BD9-81ED-4DB2-BD59-A6C34878D82A}">
+                    <a16:rowId xmlns:a16="http://schemas.microsoft.com/office/drawing/2014/main" val="4087733044"/>
+                  </a:ext>
+                </a:extLst>
+              </a:tr>
+              <a:tr h="190500">
+                <a:tc>
+                  <a:txBody>
+                    <a:bodyPr/>
+                    <a:lstStyle/>
+                    <a:p>
+                      <a:pPr algn="l" fontAlgn="b"/>
+                      <a:r>
+                        <a:rPr lang="en-AU" sz="1100" b="0" i="0" u="none" strike="noStrike">
+                          <a:solidFill>
+                            <a:srgbClr val="000000"/>
+                          </a:solidFill>
+                          <a:effectLst/>
+                          <a:latin typeface="Calibri" panose="020F0502020204030204" pitchFamily="34" charset="0"/>
+                        </a:rPr>
+                        <a:t>KNN</a:t>
+                      </a:r>
+                    </a:p>
+                  </a:txBody>
+                  <a:tcPr marL="9525" marR="9525" marT="9525" marB="0" anchor="b">
+                    <a:lnL w="6350" cap="flat" cmpd="sng" algn="ctr">
+                      <a:solidFill>
+                        <a:srgbClr val="9BC2E6"/>
+                      </a:solidFill>
+                      <a:prstDash val="solid"/>
+                      <a:round/>
+                      <a:headEnd type="none" w="med" len="med"/>
+                      <a:tailEnd type="none" w="med" len="med"/>
+                    </a:lnL>
+                    <a:lnR>
+                      <a:noFill/>
+                    </a:lnR>
+                    <a:lnT w="6350" cap="flat" cmpd="sng" algn="ctr">
+                      <a:solidFill>
+                        <a:srgbClr val="9BC2E6"/>
+                      </a:solidFill>
+                      <a:prstDash val="solid"/>
+                      <a:round/>
+                      <a:headEnd type="none" w="med" len="med"/>
+                      <a:tailEnd type="none" w="med" len="med"/>
+                    </a:lnT>
+                    <a:lnB w="6350" cap="flat" cmpd="sng" algn="ctr">
+                      <a:solidFill>
+                        <a:srgbClr val="9BC2E6"/>
+                      </a:solidFill>
+                      <a:prstDash val="solid"/>
+                      <a:round/>
+                      <a:headEnd type="none" w="med" len="med"/>
+                      <a:tailEnd type="none" w="med" len="med"/>
+                    </a:lnB>
+                  </a:tcPr>
+                </a:tc>
+                <a:tc>
+                  <a:txBody>
+                    <a:bodyPr/>
+                    <a:lstStyle/>
+                    <a:p>
+                      <a:pPr algn="r" fontAlgn="b"/>
+                      <a:r>
+                        <a:rPr lang="en-AU" sz="1100" b="0" i="0" u="none" strike="noStrike">
+                          <a:solidFill>
+                            <a:srgbClr val="000000"/>
+                          </a:solidFill>
+                          <a:effectLst/>
+                          <a:latin typeface="Calibri" panose="020F0502020204030204" pitchFamily="34" charset="0"/>
+                        </a:rPr>
+                        <a:t>0.6141</a:t>
+                      </a:r>
+                    </a:p>
+                  </a:txBody>
+                  <a:tcPr marL="9525" marR="9525" marT="9525" marB="0" anchor="b">
+                    <a:lnL>
+                      <a:noFill/>
+                    </a:lnL>
+                    <a:lnR w="6350" cap="flat" cmpd="sng" algn="ctr">
+                      <a:solidFill>
+                        <a:srgbClr val="9BC2E6"/>
+                      </a:solidFill>
+                      <a:prstDash val="solid"/>
+                      <a:round/>
+                      <a:headEnd type="none" w="med" len="med"/>
+                      <a:tailEnd type="none" w="med" len="med"/>
+                    </a:lnR>
+                    <a:lnT w="6350" cap="flat" cmpd="sng" algn="ctr">
+                      <a:solidFill>
+                        <a:srgbClr val="9BC2E6"/>
+                      </a:solidFill>
+                      <a:prstDash val="solid"/>
+                      <a:round/>
+                      <a:headEnd type="none" w="med" len="med"/>
+                      <a:tailEnd type="none" w="med" len="med"/>
+                    </a:lnT>
+                    <a:lnB w="6350" cap="flat" cmpd="sng" algn="ctr">
+                      <a:solidFill>
+                        <a:srgbClr val="9BC2E6"/>
+                      </a:solidFill>
+                      <a:prstDash val="solid"/>
+                      <a:round/>
+                      <a:headEnd type="none" w="med" len="med"/>
+                      <a:tailEnd type="none" w="med" len="med"/>
+                    </a:lnB>
+                    <a:solidFill>
+                      <a:srgbClr val="E1F1E8"/>
+                    </a:solidFill>
+                  </a:tcPr>
+                </a:tc>
+                <a:extLst>
+                  <a:ext uri="{0D108BD9-81ED-4DB2-BD59-A6C34878D82A}">
+                    <a16:rowId xmlns:a16="http://schemas.microsoft.com/office/drawing/2014/main" val="2342409339"/>
+                  </a:ext>
+                </a:extLst>
+              </a:tr>
+              <a:tr h="190500">
+                <a:tc>
+                  <a:txBody>
+                    <a:bodyPr/>
+                    <a:lstStyle/>
+                    <a:p>
+                      <a:pPr algn="l" fontAlgn="b"/>
+                      <a:r>
+                        <a:rPr lang="en-AU" sz="1100" b="0" i="0" u="none" strike="noStrike">
+                          <a:solidFill>
+                            <a:srgbClr val="000000"/>
+                          </a:solidFill>
+                          <a:effectLst/>
+                          <a:latin typeface="Calibri" panose="020F0502020204030204" pitchFamily="34" charset="0"/>
+                        </a:rPr>
+                        <a:t>Naive Bayes</a:t>
+                      </a:r>
+                    </a:p>
+                  </a:txBody>
+                  <a:tcPr marL="9525" marR="9525" marT="9525" marB="0" anchor="b">
+                    <a:lnL w="6350" cap="flat" cmpd="sng" algn="ctr">
+                      <a:solidFill>
+                        <a:srgbClr val="9BC2E6"/>
+                      </a:solidFill>
+                      <a:prstDash val="solid"/>
+                      <a:round/>
+                      <a:headEnd type="none" w="med" len="med"/>
+                      <a:tailEnd type="none" w="med" len="med"/>
+                    </a:lnL>
+                    <a:lnR>
+                      <a:noFill/>
+                    </a:lnR>
+                    <a:lnT w="6350" cap="flat" cmpd="sng" algn="ctr">
+                      <a:solidFill>
+                        <a:srgbClr val="9BC2E6"/>
+                      </a:solidFill>
+                      <a:prstDash val="solid"/>
+                      <a:round/>
+                      <a:headEnd type="none" w="med" len="med"/>
+                      <a:tailEnd type="none" w="med" len="med"/>
+                    </a:lnT>
+                    <a:lnB w="6350" cap="flat" cmpd="sng" algn="ctr">
+                      <a:solidFill>
+                        <a:srgbClr val="9BC2E6"/>
+                      </a:solidFill>
+                      <a:prstDash val="solid"/>
+                      <a:round/>
+                      <a:headEnd type="none" w="med" len="med"/>
+                      <a:tailEnd type="none" w="med" len="med"/>
+                    </a:lnB>
+                    <a:solidFill>
+                      <a:srgbClr val="DDEBF7"/>
+                    </a:solidFill>
+                  </a:tcPr>
+                </a:tc>
+                <a:tc>
+                  <a:txBody>
+                    <a:bodyPr/>
+                    <a:lstStyle/>
+                    <a:p>
+                      <a:pPr algn="r" fontAlgn="b"/>
+                      <a:r>
+                        <a:rPr lang="en-AU" sz="1100" b="0" i="0" u="none" strike="noStrike">
+                          <a:solidFill>
+                            <a:srgbClr val="000000"/>
+                          </a:solidFill>
+                          <a:effectLst/>
+                          <a:latin typeface="Calibri" panose="020F0502020204030204" pitchFamily="34" charset="0"/>
+                        </a:rPr>
+                        <a:t>0.7418</a:t>
+                      </a:r>
+                    </a:p>
+                  </a:txBody>
+                  <a:tcPr marL="9525" marR="9525" marT="9525" marB="0" anchor="b">
+                    <a:lnL>
+                      <a:noFill/>
+                    </a:lnL>
+                    <a:lnR w="6350" cap="flat" cmpd="sng" algn="ctr">
+                      <a:solidFill>
+                        <a:srgbClr val="9BC2E6"/>
+                      </a:solidFill>
+                      <a:prstDash val="solid"/>
+                      <a:round/>
+                      <a:headEnd type="none" w="med" len="med"/>
+                      <a:tailEnd type="none" w="med" len="med"/>
+                    </a:lnR>
+                    <a:lnT w="6350" cap="flat" cmpd="sng" algn="ctr">
+                      <a:solidFill>
+                        <a:srgbClr val="9BC2E6"/>
+                      </a:solidFill>
+                      <a:prstDash val="solid"/>
+                      <a:round/>
+                      <a:headEnd type="none" w="med" len="med"/>
+                      <a:tailEnd type="none" w="med" len="med"/>
+                    </a:lnT>
+                    <a:lnB w="6350" cap="flat" cmpd="sng" algn="ctr">
+                      <a:solidFill>
+                        <a:srgbClr val="9BC2E6"/>
+                      </a:solidFill>
+                      <a:prstDash val="solid"/>
+                      <a:round/>
+                      <a:headEnd type="none" w="med" len="med"/>
+                      <a:tailEnd type="none" w="med" len="med"/>
+                    </a:lnB>
+                    <a:solidFill>
+                      <a:srgbClr val="A4D9B3"/>
+                    </a:solidFill>
+                  </a:tcPr>
+                </a:tc>
+                <a:extLst>
+                  <a:ext uri="{0D108BD9-81ED-4DB2-BD59-A6C34878D82A}">
+                    <a16:rowId xmlns:a16="http://schemas.microsoft.com/office/drawing/2014/main" val="2203709989"/>
+                  </a:ext>
+                </a:extLst>
+              </a:tr>
+              <a:tr h="190500">
+                <a:tc>
+                  <a:txBody>
+                    <a:bodyPr/>
+                    <a:lstStyle/>
+                    <a:p>
+                      <a:pPr algn="l" fontAlgn="b"/>
+                      <a:r>
+                        <a:rPr lang="en-AU" sz="1100" b="0" i="0" u="none" strike="noStrike">
+                          <a:solidFill>
+                            <a:srgbClr val="000000"/>
+                          </a:solidFill>
+                          <a:effectLst/>
+                          <a:latin typeface="Calibri" panose="020F0502020204030204" pitchFamily="34" charset="0"/>
+                        </a:rPr>
+                        <a:t>Random Forrest</a:t>
+                      </a:r>
+                    </a:p>
+                  </a:txBody>
+                  <a:tcPr marL="9525" marR="9525" marT="9525" marB="0" anchor="b">
+                    <a:lnL w="6350" cap="flat" cmpd="sng" algn="ctr">
+                      <a:solidFill>
+                        <a:srgbClr val="9BC2E6"/>
+                      </a:solidFill>
+                      <a:prstDash val="solid"/>
+                      <a:round/>
+                      <a:headEnd type="none" w="med" len="med"/>
+                      <a:tailEnd type="none" w="med" len="med"/>
+                    </a:lnL>
+                    <a:lnR>
+                      <a:noFill/>
+                    </a:lnR>
+                    <a:lnT w="6350" cap="flat" cmpd="sng" algn="ctr">
+                      <a:solidFill>
+                        <a:srgbClr val="9BC2E6"/>
+                      </a:solidFill>
+                      <a:prstDash val="solid"/>
+                      <a:round/>
+                      <a:headEnd type="none" w="med" len="med"/>
+                      <a:tailEnd type="none" w="med" len="med"/>
+                    </a:lnT>
+                    <a:lnB w="6350" cap="flat" cmpd="sng" algn="ctr">
+                      <a:solidFill>
+                        <a:srgbClr val="9BC2E6"/>
+                      </a:solidFill>
+                      <a:prstDash val="solid"/>
+                      <a:round/>
+                      <a:headEnd type="none" w="med" len="med"/>
+                      <a:tailEnd type="none" w="med" len="med"/>
+                    </a:lnB>
+                  </a:tcPr>
+                </a:tc>
+                <a:tc>
+                  <a:txBody>
+                    <a:bodyPr/>
+                    <a:lstStyle/>
+                    <a:p>
+                      <a:pPr algn="r" fontAlgn="b"/>
+                      <a:r>
+                        <a:rPr lang="en-AU" sz="1100" b="0" i="0" u="none" strike="noStrike">
+                          <a:solidFill>
+                            <a:srgbClr val="000000"/>
+                          </a:solidFill>
+                          <a:effectLst/>
+                          <a:latin typeface="Calibri" panose="020F0502020204030204" pitchFamily="34" charset="0"/>
+                        </a:rPr>
+                        <a:t>0.8511</a:t>
+                      </a:r>
+                    </a:p>
+                  </a:txBody>
+                  <a:tcPr marL="9525" marR="9525" marT="9525" marB="0" anchor="b">
+                    <a:lnL>
+                      <a:noFill/>
+                    </a:lnL>
+                    <a:lnR w="6350" cap="flat" cmpd="sng" algn="ctr">
+                      <a:solidFill>
+                        <a:srgbClr val="9BC2E6"/>
+                      </a:solidFill>
+                      <a:prstDash val="solid"/>
+                      <a:round/>
+                      <a:headEnd type="none" w="med" len="med"/>
+                      <a:tailEnd type="none" w="med" len="med"/>
+                    </a:lnR>
+                    <a:lnT w="6350" cap="flat" cmpd="sng" algn="ctr">
+                      <a:solidFill>
+                        <a:srgbClr val="9BC2E6"/>
+                      </a:solidFill>
+                      <a:prstDash val="solid"/>
+                      <a:round/>
+                      <a:headEnd type="none" w="med" len="med"/>
+                      <a:tailEnd type="none" w="med" len="med"/>
+                    </a:lnT>
+                    <a:lnB w="6350" cap="flat" cmpd="sng" algn="ctr">
+                      <a:solidFill>
+                        <a:srgbClr val="9BC2E6"/>
+                      </a:solidFill>
+                      <a:prstDash val="solid"/>
+                      <a:round/>
+                      <a:headEnd type="none" w="med" len="med"/>
+                      <a:tailEnd type="none" w="med" len="med"/>
+                    </a:lnB>
+                    <a:solidFill>
+                      <a:srgbClr val="6FC386"/>
+                    </a:solidFill>
+                  </a:tcPr>
+                </a:tc>
+                <a:extLst>
+                  <a:ext uri="{0D108BD9-81ED-4DB2-BD59-A6C34878D82A}">
+                    <a16:rowId xmlns:a16="http://schemas.microsoft.com/office/drawing/2014/main" val="1994631999"/>
+                  </a:ext>
+                </a:extLst>
+              </a:tr>
+              <a:tr h="190500">
+                <a:tc>
+                  <a:txBody>
+                    <a:bodyPr/>
+                    <a:lstStyle/>
+                    <a:p>
+                      <a:pPr algn="l" fontAlgn="b"/>
+                      <a:r>
+                        <a:rPr lang="en-AU" sz="1100" b="0" i="0" u="none" strike="noStrike">
+                          <a:solidFill>
+                            <a:srgbClr val="000000"/>
+                          </a:solidFill>
+                          <a:effectLst/>
+                          <a:latin typeface="Calibri" panose="020F0502020204030204" pitchFamily="34" charset="0"/>
+                        </a:rPr>
+                        <a:t>Logistic Regression SMOTE</a:t>
+                      </a:r>
+                    </a:p>
+                  </a:txBody>
+                  <a:tcPr marL="9525" marR="9525" marT="9525" marB="0" anchor="b">
+                    <a:lnL w="6350" cap="flat" cmpd="sng" algn="ctr">
+                      <a:solidFill>
+                        <a:srgbClr val="9BC2E6"/>
+                      </a:solidFill>
+                      <a:prstDash val="solid"/>
+                      <a:round/>
+                      <a:headEnd type="none" w="med" len="med"/>
+                      <a:tailEnd type="none" w="med" len="med"/>
+                    </a:lnL>
+                    <a:lnR>
+                      <a:noFill/>
+                    </a:lnR>
+                    <a:lnT w="6350" cap="flat" cmpd="sng" algn="ctr">
+                      <a:solidFill>
+                        <a:srgbClr val="9BC2E6"/>
+                      </a:solidFill>
+                      <a:prstDash val="solid"/>
+                      <a:round/>
+                      <a:headEnd type="none" w="med" len="med"/>
+                      <a:tailEnd type="none" w="med" len="med"/>
+                    </a:lnT>
+                    <a:lnB w="6350" cap="flat" cmpd="sng" algn="ctr">
+                      <a:solidFill>
+                        <a:srgbClr val="9BC2E6"/>
+                      </a:solidFill>
+                      <a:prstDash val="solid"/>
+                      <a:round/>
+                      <a:headEnd type="none" w="med" len="med"/>
+                      <a:tailEnd type="none" w="med" len="med"/>
+                    </a:lnB>
+                    <a:solidFill>
+                      <a:srgbClr val="DDEBF7"/>
+                    </a:solidFill>
+                  </a:tcPr>
+                </a:tc>
+                <a:tc>
+                  <a:txBody>
+                    <a:bodyPr/>
+                    <a:lstStyle/>
+                    <a:p>
+                      <a:pPr algn="r" fontAlgn="b"/>
+                      <a:r>
+                        <a:rPr lang="en-AU" sz="1100" b="0" i="0" u="none" strike="noStrike">
+                          <a:solidFill>
+                            <a:srgbClr val="000000"/>
+                          </a:solidFill>
+                          <a:effectLst/>
+                          <a:latin typeface="Calibri" panose="020F0502020204030204" pitchFamily="34" charset="0"/>
+                        </a:rPr>
+                        <a:t>0.7049</a:t>
+                      </a:r>
+                    </a:p>
+                  </a:txBody>
+                  <a:tcPr marL="9525" marR="9525" marT="9525" marB="0" anchor="b">
+                    <a:lnL>
+                      <a:noFill/>
+                    </a:lnL>
+                    <a:lnR w="6350" cap="flat" cmpd="sng" algn="ctr">
+                      <a:solidFill>
+                        <a:srgbClr val="9BC2E6"/>
+                      </a:solidFill>
+                      <a:prstDash val="solid"/>
+                      <a:round/>
+                      <a:headEnd type="none" w="med" len="med"/>
+                      <a:tailEnd type="none" w="med" len="med"/>
+                    </a:lnR>
+                    <a:lnT w="6350" cap="flat" cmpd="sng" algn="ctr">
+                      <a:solidFill>
+                        <a:srgbClr val="9BC2E6"/>
+                      </a:solidFill>
+                      <a:prstDash val="solid"/>
+                      <a:round/>
+                      <a:headEnd type="none" w="med" len="med"/>
+                      <a:tailEnd type="none" w="med" len="med"/>
+                    </a:lnT>
+                    <a:lnB w="6350" cap="flat" cmpd="sng" algn="ctr">
+                      <a:solidFill>
+                        <a:srgbClr val="9BC2E6"/>
+                      </a:solidFill>
+                      <a:prstDash val="solid"/>
+                      <a:round/>
+                      <a:headEnd type="none" w="med" len="med"/>
+                      <a:tailEnd type="none" w="med" len="med"/>
+                    </a:lnB>
+                    <a:solidFill>
+                      <a:srgbClr val="B6E0C2"/>
+                    </a:solidFill>
+                  </a:tcPr>
+                </a:tc>
+                <a:extLst>
+                  <a:ext uri="{0D108BD9-81ED-4DB2-BD59-A6C34878D82A}">
+                    <a16:rowId xmlns:a16="http://schemas.microsoft.com/office/drawing/2014/main" val="3357487239"/>
+                  </a:ext>
+                </a:extLst>
+              </a:tr>
+              <a:tr h="190500">
+                <a:tc>
+                  <a:txBody>
+                    <a:bodyPr/>
+                    <a:lstStyle/>
+                    <a:p>
+                      <a:pPr algn="l" fontAlgn="b"/>
+                      <a:r>
+                        <a:rPr lang="en-AU" sz="1100" b="0" i="0" u="none" strike="noStrike">
+                          <a:solidFill>
+                            <a:srgbClr val="000000"/>
+                          </a:solidFill>
+                          <a:effectLst/>
+                          <a:latin typeface="Calibri" panose="020F0502020204030204" pitchFamily="34" charset="0"/>
+                        </a:rPr>
+                        <a:t>KNN SMOTE</a:t>
+                      </a:r>
+                    </a:p>
+                  </a:txBody>
+                  <a:tcPr marL="9525" marR="9525" marT="9525" marB="0" anchor="b">
+                    <a:lnL w="6350" cap="flat" cmpd="sng" algn="ctr">
+                      <a:solidFill>
+                        <a:srgbClr val="9BC2E6"/>
+                      </a:solidFill>
+                      <a:prstDash val="solid"/>
+                      <a:round/>
+                      <a:headEnd type="none" w="med" len="med"/>
+                      <a:tailEnd type="none" w="med" len="med"/>
+                    </a:lnL>
+                    <a:lnR>
+                      <a:noFill/>
+                    </a:lnR>
+                    <a:lnT w="6350" cap="flat" cmpd="sng" algn="ctr">
+                      <a:solidFill>
+                        <a:srgbClr val="9BC2E6"/>
+                      </a:solidFill>
+                      <a:prstDash val="solid"/>
+                      <a:round/>
+                      <a:headEnd type="none" w="med" len="med"/>
+                      <a:tailEnd type="none" w="med" len="med"/>
+                    </a:lnT>
+                    <a:lnB w="6350" cap="flat" cmpd="sng" algn="ctr">
+                      <a:solidFill>
+                        <a:srgbClr val="9BC2E6"/>
+                      </a:solidFill>
+                      <a:prstDash val="solid"/>
+                      <a:round/>
+                      <a:headEnd type="none" w="med" len="med"/>
+                      <a:tailEnd type="none" w="med" len="med"/>
+                    </a:lnB>
+                  </a:tcPr>
+                </a:tc>
+                <a:tc>
+                  <a:txBody>
+                    <a:bodyPr/>
+                    <a:lstStyle/>
+                    <a:p>
+                      <a:pPr algn="r" fontAlgn="b"/>
+                      <a:r>
+                        <a:rPr lang="en-AU" sz="1100" b="0" i="0" u="none" strike="noStrike">
+                          <a:solidFill>
+                            <a:srgbClr val="000000"/>
+                          </a:solidFill>
+                          <a:effectLst/>
+                          <a:latin typeface="Calibri" panose="020F0502020204030204" pitchFamily="34" charset="0"/>
+                        </a:rPr>
+                        <a:t>0.6057</a:t>
+                      </a:r>
+                    </a:p>
+                  </a:txBody>
+                  <a:tcPr marL="9525" marR="9525" marT="9525" marB="0" anchor="b">
+                    <a:lnL>
+                      <a:noFill/>
+                    </a:lnL>
+                    <a:lnR w="6350" cap="flat" cmpd="sng" algn="ctr">
+                      <a:solidFill>
+                        <a:srgbClr val="9BC2E6"/>
+                      </a:solidFill>
+                      <a:prstDash val="solid"/>
+                      <a:round/>
+                      <a:headEnd type="none" w="med" len="med"/>
+                      <a:tailEnd type="none" w="med" len="med"/>
+                    </a:lnR>
+                    <a:lnT w="6350" cap="flat" cmpd="sng" algn="ctr">
+                      <a:solidFill>
+                        <a:srgbClr val="9BC2E6"/>
+                      </a:solidFill>
+                      <a:prstDash val="solid"/>
+                      <a:round/>
+                      <a:headEnd type="none" w="med" len="med"/>
+                      <a:tailEnd type="none" w="med" len="med"/>
+                    </a:lnT>
+                    <a:lnB w="6350" cap="flat" cmpd="sng" algn="ctr">
+                      <a:solidFill>
+                        <a:srgbClr val="9BC2E6"/>
+                      </a:solidFill>
+                      <a:prstDash val="solid"/>
+                      <a:round/>
+                      <a:headEnd type="none" w="med" len="med"/>
+                      <a:tailEnd type="none" w="med" len="med"/>
+                    </a:lnB>
+                    <a:solidFill>
+                      <a:srgbClr val="E5F3EB"/>
+                    </a:solidFill>
+                  </a:tcPr>
+                </a:tc>
+                <a:extLst>
+                  <a:ext uri="{0D108BD9-81ED-4DB2-BD59-A6C34878D82A}">
+                    <a16:rowId xmlns:a16="http://schemas.microsoft.com/office/drawing/2014/main" val="2632884500"/>
+                  </a:ext>
+                </a:extLst>
+              </a:tr>
+              <a:tr h="190500">
+                <a:tc>
+                  <a:txBody>
+                    <a:bodyPr/>
+                    <a:lstStyle/>
+                    <a:p>
+                      <a:pPr algn="l" fontAlgn="b"/>
+                      <a:r>
+                        <a:rPr lang="en-AU" sz="1100" b="1" i="0" u="none" strike="noStrike" dirty="0">
+                          <a:solidFill>
+                            <a:srgbClr val="000000"/>
+                          </a:solidFill>
+                          <a:effectLst/>
+                          <a:latin typeface="Calibri" panose="020F0502020204030204" pitchFamily="34" charset="0"/>
+                        </a:rPr>
+                        <a:t>Naive Bayes SMOTE</a:t>
+                      </a:r>
+                    </a:p>
+                  </a:txBody>
+                  <a:tcPr marL="9525" marR="9525" marT="9525" marB="0" anchor="b">
+                    <a:lnL w="6350" cap="flat" cmpd="sng" algn="ctr">
+                      <a:solidFill>
+                        <a:srgbClr val="9BC2E6"/>
+                      </a:solidFill>
+                      <a:prstDash val="solid"/>
+                      <a:round/>
+                      <a:headEnd type="none" w="med" len="med"/>
+                      <a:tailEnd type="none" w="med" len="med"/>
+                    </a:lnL>
+                    <a:lnR>
+                      <a:noFill/>
+                    </a:lnR>
+                    <a:lnT w="6350" cap="flat" cmpd="sng" algn="ctr">
+                      <a:solidFill>
+                        <a:srgbClr val="9BC2E6"/>
+                      </a:solidFill>
+                      <a:prstDash val="solid"/>
+                      <a:round/>
+                      <a:headEnd type="none" w="med" len="med"/>
+                      <a:tailEnd type="none" w="med" len="med"/>
+                    </a:lnT>
+                    <a:lnB w="6350" cap="flat" cmpd="sng" algn="ctr">
+                      <a:solidFill>
+                        <a:srgbClr val="9BC2E6"/>
+                      </a:solidFill>
+                      <a:prstDash val="solid"/>
+                      <a:round/>
+                      <a:headEnd type="none" w="med" len="med"/>
+                      <a:tailEnd type="none" w="med" len="med"/>
+                    </a:lnB>
+                    <a:solidFill>
+                      <a:srgbClr val="DDEBF7"/>
+                    </a:solidFill>
+                  </a:tcPr>
+                </a:tc>
+                <a:tc>
+                  <a:txBody>
+                    <a:bodyPr/>
+                    <a:lstStyle/>
+                    <a:p>
+                      <a:pPr algn="r" fontAlgn="b"/>
+                      <a:r>
+                        <a:rPr lang="en-AU" sz="1100" b="0" i="0" u="none" strike="noStrike">
+                          <a:solidFill>
+                            <a:srgbClr val="000000"/>
+                          </a:solidFill>
+                          <a:effectLst/>
+                          <a:latin typeface="Calibri" panose="020F0502020204030204" pitchFamily="34" charset="0"/>
+                        </a:rPr>
+                        <a:t>0.7365</a:t>
+                      </a:r>
+                    </a:p>
+                  </a:txBody>
+                  <a:tcPr marL="9525" marR="9525" marT="9525" marB="0" anchor="b">
+                    <a:lnL>
+                      <a:noFill/>
+                    </a:lnL>
+                    <a:lnR w="6350" cap="flat" cmpd="sng" algn="ctr">
+                      <a:solidFill>
+                        <a:srgbClr val="9BC2E6"/>
+                      </a:solidFill>
+                      <a:prstDash val="solid"/>
+                      <a:round/>
+                      <a:headEnd type="none" w="med" len="med"/>
+                      <a:tailEnd type="none" w="med" len="med"/>
+                    </a:lnR>
+                    <a:lnT w="6350" cap="flat" cmpd="sng" algn="ctr">
+                      <a:solidFill>
+                        <a:srgbClr val="9BC2E6"/>
+                      </a:solidFill>
+                      <a:prstDash val="solid"/>
+                      <a:round/>
+                      <a:headEnd type="none" w="med" len="med"/>
+                      <a:tailEnd type="none" w="med" len="med"/>
+                    </a:lnT>
+                    <a:lnB w="6350" cap="flat" cmpd="sng" algn="ctr">
+                      <a:solidFill>
+                        <a:srgbClr val="9BC2E6"/>
+                      </a:solidFill>
+                      <a:prstDash val="solid"/>
+                      <a:round/>
+                      <a:headEnd type="none" w="med" len="med"/>
+                      <a:tailEnd type="none" w="med" len="med"/>
+                    </a:lnB>
+                    <a:solidFill>
+                      <a:srgbClr val="A6DAB5"/>
+                    </a:solidFill>
+                  </a:tcPr>
+                </a:tc>
+                <a:extLst>
+                  <a:ext uri="{0D108BD9-81ED-4DB2-BD59-A6C34878D82A}">
+                    <a16:rowId xmlns:a16="http://schemas.microsoft.com/office/drawing/2014/main" val="1998832786"/>
+                  </a:ext>
+                </a:extLst>
+              </a:tr>
+              <a:tr h="190500">
+                <a:tc>
+                  <a:txBody>
+                    <a:bodyPr/>
+                    <a:lstStyle/>
+                    <a:p>
+                      <a:pPr algn="l" fontAlgn="b"/>
+                      <a:r>
+                        <a:rPr lang="en-AU" sz="1100" b="1" i="0" u="none" strike="noStrike" dirty="0">
+                          <a:solidFill>
+                            <a:srgbClr val="000000"/>
+                          </a:solidFill>
+                          <a:effectLst/>
+                          <a:latin typeface="Calibri" panose="020F0502020204030204" pitchFamily="34" charset="0"/>
+                        </a:rPr>
+                        <a:t>Random Forrest SMOTE</a:t>
+                      </a:r>
+                    </a:p>
+                  </a:txBody>
+                  <a:tcPr marL="9525" marR="9525" marT="9525" marB="0" anchor="b">
+                    <a:lnL w="6350" cap="flat" cmpd="sng" algn="ctr">
+                      <a:solidFill>
+                        <a:srgbClr val="9BC2E6"/>
+                      </a:solidFill>
+                      <a:prstDash val="solid"/>
+                      <a:round/>
+                      <a:headEnd type="none" w="med" len="med"/>
+                      <a:tailEnd type="none" w="med" len="med"/>
+                    </a:lnL>
+                    <a:lnR>
+                      <a:noFill/>
+                    </a:lnR>
+                    <a:lnT w="6350" cap="flat" cmpd="sng" algn="ctr">
+                      <a:solidFill>
+                        <a:srgbClr val="9BC2E6"/>
+                      </a:solidFill>
+                      <a:prstDash val="solid"/>
+                      <a:round/>
+                      <a:headEnd type="none" w="med" len="med"/>
+                      <a:tailEnd type="none" w="med" len="med"/>
+                    </a:lnT>
+                    <a:lnB w="6350" cap="flat" cmpd="sng" algn="ctr">
+                      <a:solidFill>
+                        <a:srgbClr val="9BC2E6"/>
+                      </a:solidFill>
+                      <a:prstDash val="solid"/>
+                      <a:round/>
+                      <a:headEnd type="none" w="med" len="med"/>
+                      <a:tailEnd type="none" w="med" len="med"/>
+                    </a:lnB>
+                  </a:tcPr>
+                </a:tc>
+                <a:tc>
+                  <a:txBody>
+                    <a:bodyPr/>
+                    <a:lstStyle/>
+                    <a:p>
+                      <a:pPr algn="r" fontAlgn="b"/>
+                      <a:r>
+                        <a:rPr lang="en-AU" sz="1100" b="0" i="0" u="none" strike="noStrike">
+                          <a:solidFill>
+                            <a:srgbClr val="000000"/>
+                          </a:solidFill>
+                          <a:effectLst/>
+                          <a:latin typeface="Calibri" panose="020F0502020204030204" pitchFamily="34" charset="0"/>
+                        </a:rPr>
+                        <a:t>0.8753</a:t>
+                      </a:r>
+                    </a:p>
+                  </a:txBody>
+                  <a:tcPr marL="9525" marR="9525" marT="9525" marB="0" anchor="b">
+                    <a:lnL>
+                      <a:noFill/>
+                    </a:lnL>
+                    <a:lnR w="6350" cap="flat" cmpd="sng" algn="ctr">
+                      <a:solidFill>
+                        <a:srgbClr val="9BC2E6"/>
+                      </a:solidFill>
+                      <a:prstDash val="solid"/>
+                      <a:round/>
+                      <a:headEnd type="none" w="med" len="med"/>
+                      <a:tailEnd type="none" w="med" len="med"/>
+                    </a:lnR>
+                    <a:lnT w="6350" cap="flat" cmpd="sng" algn="ctr">
+                      <a:solidFill>
+                        <a:srgbClr val="9BC2E6"/>
+                      </a:solidFill>
+                      <a:prstDash val="solid"/>
+                      <a:round/>
+                      <a:headEnd type="none" w="med" len="med"/>
+                      <a:tailEnd type="none" w="med" len="med"/>
+                    </a:lnT>
+                    <a:lnB w="6350" cap="flat" cmpd="sng" algn="ctr">
+                      <a:solidFill>
+                        <a:srgbClr val="9BC2E6"/>
+                      </a:solidFill>
+                      <a:prstDash val="solid"/>
+                      <a:round/>
+                      <a:headEnd type="none" w="med" len="med"/>
+                      <a:tailEnd type="none" w="med" len="med"/>
+                    </a:lnB>
+                    <a:solidFill>
+                      <a:srgbClr val="63BE7B"/>
+                    </a:solidFill>
+                  </a:tcPr>
+                </a:tc>
+                <a:extLst>
+                  <a:ext uri="{0D108BD9-81ED-4DB2-BD59-A6C34878D82A}">
+                    <a16:rowId xmlns:a16="http://schemas.microsoft.com/office/drawing/2014/main" val="3003713888"/>
+                  </a:ext>
+                </a:extLst>
+              </a:tr>
+              <a:tr h="190500">
+                <a:tc>
+                  <a:txBody>
+                    <a:bodyPr/>
+                    <a:lstStyle/>
+                    <a:p>
+                      <a:pPr algn="l" fontAlgn="b"/>
+                      <a:r>
+                        <a:rPr lang="en-AU" sz="1100" b="0" i="0" u="none" strike="noStrike">
+                          <a:solidFill>
+                            <a:srgbClr val="000000"/>
+                          </a:solidFill>
+                          <a:effectLst/>
+                          <a:latin typeface="Calibri" panose="020F0502020204030204" pitchFamily="34" charset="0"/>
+                        </a:rPr>
+                        <a:t>Logistic Regression ADASYN</a:t>
+                      </a:r>
+                    </a:p>
+                  </a:txBody>
+                  <a:tcPr marL="9525" marR="9525" marT="9525" marB="0" anchor="b">
+                    <a:lnL w="6350" cap="flat" cmpd="sng" algn="ctr">
+                      <a:solidFill>
+                        <a:srgbClr val="9BC2E6"/>
+                      </a:solidFill>
+                      <a:prstDash val="solid"/>
+                      <a:round/>
+                      <a:headEnd type="none" w="med" len="med"/>
+                      <a:tailEnd type="none" w="med" len="med"/>
+                    </a:lnL>
+                    <a:lnR>
+                      <a:noFill/>
+                    </a:lnR>
+                    <a:lnT w="6350" cap="flat" cmpd="sng" algn="ctr">
+                      <a:solidFill>
+                        <a:srgbClr val="9BC2E6"/>
+                      </a:solidFill>
+                      <a:prstDash val="solid"/>
+                      <a:round/>
+                      <a:headEnd type="none" w="med" len="med"/>
+                      <a:tailEnd type="none" w="med" len="med"/>
+                    </a:lnT>
+                    <a:lnB w="6350" cap="flat" cmpd="sng" algn="ctr">
+                      <a:solidFill>
+                        <a:srgbClr val="9BC2E6"/>
+                      </a:solidFill>
+                      <a:prstDash val="solid"/>
+                      <a:round/>
+                      <a:headEnd type="none" w="med" len="med"/>
+                      <a:tailEnd type="none" w="med" len="med"/>
+                    </a:lnB>
+                    <a:solidFill>
+                      <a:srgbClr val="DDEBF7"/>
+                    </a:solidFill>
+                  </a:tcPr>
+                </a:tc>
+                <a:tc>
+                  <a:txBody>
+                    <a:bodyPr/>
+                    <a:lstStyle/>
+                    <a:p>
+                      <a:pPr algn="r" fontAlgn="b"/>
+                      <a:r>
+                        <a:rPr lang="en-AU" sz="1100" b="0" i="0" u="none" strike="noStrike">
+                          <a:solidFill>
+                            <a:srgbClr val="000000"/>
+                          </a:solidFill>
+                          <a:effectLst/>
+                          <a:latin typeface="Calibri" panose="020F0502020204030204" pitchFamily="34" charset="0"/>
+                        </a:rPr>
+                        <a:t>0.7056</a:t>
+                      </a:r>
+                    </a:p>
+                  </a:txBody>
+                  <a:tcPr marL="9525" marR="9525" marT="9525" marB="0" anchor="b">
+                    <a:lnL>
+                      <a:noFill/>
+                    </a:lnL>
+                    <a:lnR w="6350" cap="flat" cmpd="sng" algn="ctr">
+                      <a:solidFill>
+                        <a:srgbClr val="9BC2E6"/>
+                      </a:solidFill>
+                      <a:prstDash val="solid"/>
+                      <a:round/>
+                      <a:headEnd type="none" w="med" len="med"/>
+                      <a:tailEnd type="none" w="med" len="med"/>
+                    </a:lnR>
+                    <a:lnT w="6350" cap="flat" cmpd="sng" algn="ctr">
+                      <a:solidFill>
+                        <a:srgbClr val="9BC2E6"/>
+                      </a:solidFill>
+                      <a:prstDash val="solid"/>
+                      <a:round/>
+                      <a:headEnd type="none" w="med" len="med"/>
+                      <a:tailEnd type="none" w="med" len="med"/>
+                    </a:lnT>
+                    <a:lnB w="6350" cap="flat" cmpd="sng" algn="ctr">
+                      <a:solidFill>
+                        <a:srgbClr val="9BC2E6"/>
+                      </a:solidFill>
+                      <a:prstDash val="solid"/>
+                      <a:round/>
+                      <a:headEnd type="none" w="med" len="med"/>
+                      <a:tailEnd type="none" w="med" len="med"/>
+                    </a:lnB>
+                    <a:solidFill>
+                      <a:srgbClr val="B5E0C2"/>
+                    </a:solidFill>
+                  </a:tcPr>
+                </a:tc>
+                <a:extLst>
+                  <a:ext uri="{0D108BD9-81ED-4DB2-BD59-A6C34878D82A}">
+                    <a16:rowId xmlns:a16="http://schemas.microsoft.com/office/drawing/2014/main" val="1671970456"/>
+                  </a:ext>
+                </a:extLst>
+              </a:tr>
+              <a:tr h="190500">
+                <a:tc>
+                  <a:txBody>
+                    <a:bodyPr/>
+                    <a:lstStyle/>
+                    <a:p>
+                      <a:pPr algn="l" fontAlgn="b"/>
+                      <a:r>
+                        <a:rPr lang="en-AU" sz="1100" b="0" i="0" u="none" strike="noStrike">
+                          <a:solidFill>
+                            <a:srgbClr val="000000"/>
+                          </a:solidFill>
+                          <a:effectLst/>
+                          <a:latin typeface="Calibri" panose="020F0502020204030204" pitchFamily="34" charset="0"/>
+                        </a:rPr>
+                        <a:t>KNN ADASYN</a:t>
+                      </a:r>
+                    </a:p>
+                  </a:txBody>
+                  <a:tcPr marL="9525" marR="9525" marT="9525" marB="0" anchor="b">
+                    <a:lnL w="6350" cap="flat" cmpd="sng" algn="ctr">
+                      <a:solidFill>
+                        <a:srgbClr val="9BC2E6"/>
+                      </a:solidFill>
+                      <a:prstDash val="solid"/>
+                      <a:round/>
+                      <a:headEnd type="none" w="med" len="med"/>
+                      <a:tailEnd type="none" w="med" len="med"/>
+                    </a:lnL>
+                    <a:lnR>
+                      <a:noFill/>
+                    </a:lnR>
+                    <a:lnT w="6350" cap="flat" cmpd="sng" algn="ctr">
+                      <a:solidFill>
+                        <a:srgbClr val="9BC2E6"/>
+                      </a:solidFill>
+                      <a:prstDash val="solid"/>
+                      <a:round/>
+                      <a:headEnd type="none" w="med" len="med"/>
+                      <a:tailEnd type="none" w="med" len="med"/>
+                    </a:lnT>
+                    <a:lnB w="6350" cap="flat" cmpd="sng" algn="ctr">
+                      <a:solidFill>
+                        <a:srgbClr val="9BC2E6"/>
+                      </a:solidFill>
+                      <a:prstDash val="solid"/>
+                      <a:round/>
+                      <a:headEnd type="none" w="med" len="med"/>
+                      <a:tailEnd type="none" w="med" len="med"/>
+                    </a:lnB>
+                  </a:tcPr>
+                </a:tc>
+                <a:tc>
+                  <a:txBody>
+                    <a:bodyPr/>
+                    <a:lstStyle/>
+                    <a:p>
+                      <a:pPr algn="r" fontAlgn="b"/>
+                      <a:r>
+                        <a:rPr lang="en-AU" sz="1100" b="0" i="0" u="none" strike="noStrike">
+                          <a:solidFill>
+                            <a:srgbClr val="000000"/>
+                          </a:solidFill>
+                          <a:effectLst/>
+                          <a:latin typeface="Calibri" panose="020F0502020204030204" pitchFamily="34" charset="0"/>
+                        </a:rPr>
+                        <a:t>0.5575</a:t>
+                      </a:r>
+                    </a:p>
+                  </a:txBody>
+                  <a:tcPr marL="9525" marR="9525" marT="9525" marB="0" anchor="b">
+                    <a:lnL>
+                      <a:noFill/>
+                    </a:lnL>
+                    <a:lnR w="6350" cap="flat" cmpd="sng" algn="ctr">
+                      <a:solidFill>
+                        <a:srgbClr val="9BC2E6"/>
+                      </a:solidFill>
+                      <a:prstDash val="solid"/>
+                      <a:round/>
+                      <a:headEnd type="none" w="med" len="med"/>
+                      <a:tailEnd type="none" w="med" len="med"/>
+                    </a:lnR>
+                    <a:lnT w="6350" cap="flat" cmpd="sng" algn="ctr">
+                      <a:solidFill>
+                        <a:srgbClr val="9BC2E6"/>
+                      </a:solidFill>
+                      <a:prstDash val="solid"/>
+                      <a:round/>
+                      <a:headEnd type="none" w="med" len="med"/>
+                      <a:tailEnd type="none" w="med" len="med"/>
+                    </a:lnT>
+                    <a:lnB w="6350" cap="flat" cmpd="sng" algn="ctr">
+                      <a:solidFill>
+                        <a:srgbClr val="9BC2E6"/>
+                      </a:solidFill>
+                      <a:prstDash val="solid"/>
+                      <a:round/>
+                      <a:headEnd type="none" w="med" len="med"/>
+                      <a:tailEnd type="none" w="med" len="med"/>
+                    </a:lnB>
+                    <a:solidFill>
+                      <a:srgbClr val="FCFCFF"/>
+                    </a:solidFill>
+                  </a:tcPr>
+                </a:tc>
+                <a:extLst>
+                  <a:ext uri="{0D108BD9-81ED-4DB2-BD59-A6C34878D82A}">
+                    <a16:rowId xmlns:a16="http://schemas.microsoft.com/office/drawing/2014/main" val="3545602404"/>
+                  </a:ext>
+                </a:extLst>
+              </a:tr>
+              <a:tr h="190500">
+                <a:tc>
+                  <a:txBody>
+                    <a:bodyPr/>
+                    <a:lstStyle/>
+                    <a:p>
+                      <a:pPr algn="l" fontAlgn="b"/>
+                      <a:r>
+                        <a:rPr lang="en-AU" sz="1100" b="0" i="0" u="none" strike="noStrike" dirty="0">
+                          <a:solidFill>
+                            <a:srgbClr val="000000"/>
+                          </a:solidFill>
+                          <a:effectLst/>
+                          <a:latin typeface="Calibri" panose="020F0502020204030204" pitchFamily="34" charset="0"/>
+                        </a:rPr>
+                        <a:t>Naive Bayes ADASYN</a:t>
+                      </a:r>
+                    </a:p>
+                  </a:txBody>
+                  <a:tcPr marL="9525" marR="9525" marT="9525" marB="0" anchor="b">
+                    <a:lnL w="6350" cap="flat" cmpd="sng" algn="ctr">
+                      <a:solidFill>
+                        <a:srgbClr val="9BC2E6"/>
+                      </a:solidFill>
+                      <a:prstDash val="solid"/>
+                      <a:round/>
+                      <a:headEnd type="none" w="med" len="med"/>
+                      <a:tailEnd type="none" w="med" len="med"/>
+                    </a:lnL>
+                    <a:lnR>
+                      <a:noFill/>
+                    </a:lnR>
+                    <a:lnT w="6350" cap="flat" cmpd="sng" algn="ctr">
+                      <a:solidFill>
+                        <a:srgbClr val="9BC2E6"/>
+                      </a:solidFill>
+                      <a:prstDash val="solid"/>
+                      <a:round/>
+                      <a:headEnd type="none" w="med" len="med"/>
+                      <a:tailEnd type="none" w="med" len="med"/>
+                    </a:lnT>
+                    <a:lnB w="6350" cap="flat" cmpd="sng" algn="ctr">
+                      <a:solidFill>
+                        <a:srgbClr val="9BC2E6"/>
+                      </a:solidFill>
+                      <a:prstDash val="solid"/>
+                      <a:round/>
+                      <a:headEnd type="none" w="med" len="med"/>
+                      <a:tailEnd type="none" w="med" len="med"/>
+                    </a:lnB>
+                    <a:solidFill>
+                      <a:srgbClr val="DDEBF7"/>
+                    </a:solidFill>
+                  </a:tcPr>
+                </a:tc>
+                <a:tc>
+                  <a:txBody>
+                    <a:bodyPr/>
+                    <a:lstStyle/>
+                    <a:p>
+                      <a:pPr algn="r" fontAlgn="b"/>
+                      <a:r>
+                        <a:rPr lang="en-AU" sz="1100" b="0" i="0" u="none" strike="noStrike">
+                          <a:solidFill>
+                            <a:srgbClr val="000000"/>
+                          </a:solidFill>
+                          <a:effectLst/>
+                          <a:latin typeface="Calibri" panose="020F0502020204030204" pitchFamily="34" charset="0"/>
+                        </a:rPr>
+                        <a:t>0.7271</a:t>
+                      </a:r>
+                    </a:p>
+                  </a:txBody>
+                  <a:tcPr marL="9525" marR="9525" marT="9525" marB="0" anchor="b">
+                    <a:lnL>
+                      <a:noFill/>
+                    </a:lnL>
+                    <a:lnR w="6350" cap="flat" cmpd="sng" algn="ctr">
+                      <a:solidFill>
+                        <a:srgbClr val="9BC2E6"/>
+                      </a:solidFill>
+                      <a:prstDash val="solid"/>
+                      <a:round/>
+                      <a:headEnd type="none" w="med" len="med"/>
+                      <a:tailEnd type="none" w="med" len="med"/>
+                    </a:lnR>
+                    <a:lnT w="6350" cap="flat" cmpd="sng" algn="ctr">
+                      <a:solidFill>
+                        <a:srgbClr val="9BC2E6"/>
+                      </a:solidFill>
+                      <a:prstDash val="solid"/>
+                      <a:round/>
+                      <a:headEnd type="none" w="med" len="med"/>
+                      <a:tailEnd type="none" w="med" len="med"/>
+                    </a:lnT>
+                    <a:lnB w="6350" cap="flat" cmpd="sng" algn="ctr">
+                      <a:solidFill>
+                        <a:srgbClr val="9BC2E6"/>
+                      </a:solidFill>
+                      <a:prstDash val="solid"/>
+                      <a:round/>
+                      <a:headEnd type="none" w="med" len="med"/>
+                      <a:tailEnd type="none" w="med" len="med"/>
+                    </a:lnB>
+                    <a:solidFill>
+                      <a:srgbClr val="ABDBB9"/>
+                    </a:solidFill>
+                  </a:tcPr>
+                </a:tc>
+                <a:extLst>
+                  <a:ext uri="{0D108BD9-81ED-4DB2-BD59-A6C34878D82A}">
+                    <a16:rowId xmlns:a16="http://schemas.microsoft.com/office/drawing/2014/main" val="169013897"/>
+                  </a:ext>
+                </a:extLst>
+              </a:tr>
+              <a:tr h="190500">
+                <a:tc>
+                  <a:txBody>
+                    <a:bodyPr/>
+                    <a:lstStyle/>
+                    <a:p>
+                      <a:pPr algn="l" fontAlgn="b"/>
+                      <a:r>
+                        <a:rPr lang="en-AU" sz="1100" b="0" i="0" u="none" strike="noStrike" dirty="0">
+                          <a:solidFill>
+                            <a:srgbClr val="000000"/>
+                          </a:solidFill>
+                          <a:effectLst/>
+                          <a:latin typeface="Calibri" panose="020F0502020204030204" pitchFamily="34" charset="0"/>
+                        </a:rPr>
+                        <a:t>Random Forrest ADASYN</a:t>
+                      </a:r>
+                    </a:p>
+                  </a:txBody>
+                  <a:tcPr marL="9525" marR="9525" marT="9525" marB="0" anchor="b">
+                    <a:lnL w="6350" cap="flat" cmpd="sng" algn="ctr">
+                      <a:solidFill>
+                        <a:srgbClr val="9BC2E6"/>
+                      </a:solidFill>
+                      <a:prstDash val="solid"/>
+                      <a:round/>
+                      <a:headEnd type="none" w="med" len="med"/>
+                      <a:tailEnd type="none" w="med" len="med"/>
+                    </a:lnL>
+                    <a:lnR>
+                      <a:noFill/>
+                    </a:lnR>
+                    <a:lnT w="6350" cap="flat" cmpd="sng" algn="ctr">
+                      <a:solidFill>
+                        <a:srgbClr val="9BC2E6"/>
+                      </a:solidFill>
+                      <a:prstDash val="solid"/>
+                      <a:round/>
+                      <a:headEnd type="none" w="med" len="med"/>
+                      <a:tailEnd type="none" w="med" len="med"/>
+                    </a:lnT>
+                    <a:lnB w="6350" cap="flat" cmpd="sng" algn="ctr">
+                      <a:solidFill>
+                        <a:srgbClr val="9BC2E6"/>
+                      </a:solidFill>
+                      <a:prstDash val="solid"/>
+                      <a:round/>
+                      <a:headEnd type="none" w="med" len="med"/>
+                      <a:tailEnd type="none" w="med" len="med"/>
+                    </a:lnB>
+                  </a:tcPr>
+                </a:tc>
+                <a:tc>
+                  <a:txBody>
+                    <a:bodyPr/>
+                    <a:lstStyle/>
+                    <a:p>
+                      <a:pPr algn="r" fontAlgn="b"/>
+                      <a:r>
+                        <a:rPr lang="en-AU" sz="1100" b="0" i="0" u="none" strike="noStrike" dirty="0">
+                          <a:solidFill>
+                            <a:srgbClr val="000000"/>
+                          </a:solidFill>
+                          <a:effectLst/>
+                          <a:latin typeface="Calibri" panose="020F0502020204030204" pitchFamily="34" charset="0"/>
+                        </a:rPr>
+                        <a:t>0.8699</a:t>
+                      </a:r>
+                    </a:p>
+                  </a:txBody>
+                  <a:tcPr marL="9525" marR="9525" marT="9525" marB="0" anchor="b">
+                    <a:lnL>
+                      <a:noFill/>
+                    </a:lnL>
+                    <a:lnR w="6350" cap="flat" cmpd="sng" algn="ctr">
+                      <a:solidFill>
+                        <a:srgbClr val="9BC2E6"/>
+                      </a:solidFill>
+                      <a:prstDash val="solid"/>
+                      <a:round/>
+                      <a:headEnd type="none" w="med" len="med"/>
+                      <a:tailEnd type="none" w="med" len="med"/>
+                    </a:lnR>
+                    <a:lnT w="6350" cap="flat" cmpd="sng" algn="ctr">
+                      <a:solidFill>
+                        <a:srgbClr val="9BC2E6"/>
+                      </a:solidFill>
+                      <a:prstDash val="solid"/>
+                      <a:round/>
+                      <a:headEnd type="none" w="med" len="med"/>
+                      <a:tailEnd type="none" w="med" len="med"/>
+                    </a:lnT>
+                    <a:lnB w="6350" cap="flat" cmpd="sng" algn="ctr">
+                      <a:solidFill>
+                        <a:srgbClr val="9BC2E6"/>
+                      </a:solidFill>
+                      <a:prstDash val="solid"/>
+                      <a:round/>
+                      <a:headEnd type="none" w="med" len="med"/>
+                      <a:tailEnd type="none" w="med" len="med"/>
+                    </a:lnB>
+                    <a:solidFill>
+                      <a:srgbClr val="66C07E"/>
+                    </a:solidFill>
+                  </a:tcPr>
+                </a:tc>
+                <a:extLst>
+                  <a:ext uri="{0D108BD9-81ED-4DB2-BD59-A6C34878D82A}">
+                    <a16:rowId xmlns:a16="http://schemas.microsoft.com/office/drawing/2014/main" val="2033080863"/>
+                  </a:ext>
+                </a:extLst>
+              </a:tr>
+            </a:tbl>
+          </a:graphicData>
+        </a:graphic>
+      </p:graphicFrame>
     </p:spTree>
     <p:extLst>
       <p:ext uri="{BB962C8B-B14F-4D97-AF65-F5344CB8AC3E}">
@@ -31135,15 +32684,6 @@
 </file>
 
 <file path=customXml/item1.xml><?xml version="1.0" encoding="utf-8"?>
-<?mso-contentType ?>
-<FormTemplates xmlns="http://schemas.microsoft.com/sharepoint/v3/contenttype/forms">
-  <Display>DocumentLibraryForm</Display>
-  <Edit>DocumentLibraryForm</Edit>
-  <New>DocumentLibraryForm</New>
-</FormTemplates>
-</file>
-
-<file path=customXml/item2.xml><?xml version="1.0" encoding="utf-8"?>
 <ct:contentTypeSchema xmlns:ct="http://schemas.microsoft.com/office/2006/metadata/contentType" xmlns:ma="http://schemas.microsoft.com/office/2006/metadata/properties/metaAttributes" ct:_="" ma:_="" ma:contentTypeName="Document" ma:contentTypeID="0x01010079F111ED35F8CC479449609E8A0923A6" ma:contentTypeVersion="20" ma:contentTypeDescription="Create a new document." ma:contentTypeScope="" ma:versionID="1267097ee5f5874adfcc408041ae252e">
   <xsd:schema xmlns:xsd="http://www.w3.org/2001/XMLSchema" xmlns:xs="http://www.w3.org/2001/XMLSchema" xmlns:p="http://schemas.microsoft.com/office/2006/metadata/properties" xmlns:ns1="http://schemas.microsoft.com/sharepoint/v3" xmlns:ns2="71af3243-3dd4-4a8d-8c0d-dd76da1f02a5" xmlns:ns3="16c05727-aa75-4e4a-9b5f-8a80a1165891" xmlns:ns4="230e9df3-be65-4c73-a93b-d1236ebd677e" targetNamespace="http://schemas.microsoft.com/office/2006/metadata/properties" ma:root="true" ma:fieldsID="395891a93df65b14727750f2c06c306c" ns1:_="" ns2:_="" ns3:_="" ns4:_="">
     <xsd:import namespace="http://schemas.microsoft.com/sharepoint/v3"/>
@@ -31419,6 +32959,15 @@
 </ct:contentTypeSchema>
 </file>
 
+<file path=customXml/item2.xml><?xml version="1.0" encoding="utf-8"?>
+<?mso-contentType ?>
+<FormTemplates xmlns="http://schemas.microsoft.com/sharepoint/v3/contenttype/forms">
+  <Display>DocumentLibraryForm</Display>
+  <Edit>DocumentLibraryForm</Edit>
+  <New>DocumentLibraryForm</New>
+</FormTemplates>
+</file>
+
 <file path=customXml/item3.xml><?xml version="1.0" encoding="utf-8"?>
 <p:properties xmlns:p="http://schemas.microsoft.com/office/2006/metadata/properties" xmlns:xsi="http://www.w3.org/2001/XMLSchema-instance" xmlns:pc="http://schemas.microsoft.com/office/infopath/2007/PartnerControls">
   <documentManagement>
@@ -31439,14 +32988,6 @@
 </file>
 
 <file path=customXml/itemProps1.xml><?xml version="1.0" encoding="utf-8"?>
-<ds:datastoreItem xmlns:ds="http://schemas.openxmlformats.org/officeDocument/2006/customXml" ds:itemID="{42BC90D6-94CF-42F7-AAC4-9CF6824C54D5}">
-  <ds:schemaRefs>
-    <ds:schemaRef ds:uri="http://schemas.microsoft.com/sharepoint/v3/contenttype/forms"/>
-  </ds:schemaRefs>
-</ds:datastoreItem>
-</file>
-
-<file path=customXml/itemProps2.xml><?xml version="1.0" encoding="utf-8"?>
 <ds:datastoreItem xmlns:ds="http://schemas.openxmlformats.org/officeDocument/2006/customXml" ds:itemID="{64CF2EF3-001F-4BE9-81B3-86ECBBF9425F}">
   <ds:schemaRefs>
     <ds:schemaRef ds:uri="http://schemas.microsoft.com/office/2006/metadata/contentType"/>
@@ -31463,6 +33004,14 @@
     <ds:schemaRef ds:uri="http://purl.org/dc/elements/1.1/"/>
     <ds:schemaRef ds:uri="http://purl.org/dc/terms/"/>
     <ds:schemaRef ds:uri="http://schemas.microsoft.com/internal/obd"/>
+  </ds:schemaRefs>
+</ds:datastoreItem>
+</file>
+
+<file path=customXml/itemProps2.xml><?xml version="1.0" encoding="utf-8"?>
+<ds:datastoreItem xmlns:ds="http://schemas.openxmlformats.org/officeDocument/2006/customXml" ds:itemID="{42BC90D6-94CF-42F7-AAC4-9CF6824C54D5}">
+  <ds:schemaRefs>
+    <ds:schemaRef ds:uri="http://schemas.microsoft.com/sharepoint/v3/contenttype/forms"/>
   </ds:schemaRefs>
 </ds:datastoreItem>
 </file>
